--- a/ppt 16-9/0882.主爱的团契.pptx
+++ b/ppt 16-9/0882.主爱的团契.pptx
@@ -129,7 +129,7 @@
           <p:cNvPr id="2" name="标题 1">
             <a:extLst>
               <a:ext uri="{FF2B5EF4-FFF2-40B4-BE49-F238E27FC236}">
-                <a16:creationId xmlns:a16="http://schemas.microsoft.com/office/drawing/2014/main" id="{06BB30F2-2F41-79B8-45C9-320A8272BC71}"/>
+                <a16:creationId xmlns:a16="http://schemas.microsoft.com/office/drawing/2014/main" id="{DC72094E-A854-32DE-9632-0838969EFF30}"/>
               </a:ext>
             </a:extLst>
           </p:cNvPr>
@@ -166,7 +166,7 @@
           <p:cNvPr id="3" name="副标题 2">
             <a:extLst>
               <a:ext uri="{FF2B5EF4-FFF2-40B4-BE49-F238E27FC236}">
-                <a16:creationId xmlns:a16="http://schemas.microsoft.com/office/drawing/2014/main" id="{A1C95C49-08E0-DD28-756B-25E725B4FE20}"/>
+                <a16:creationId xmlns:a16="http://schemas.microsoft.com/office/drawing/2014/main" id="{2772F896-BCC2-499C-C2A4-4621EDF6C740}"/>
               </a:ext>
             </a:extLst>
           </p:cNvPr>
@@ -236,7 +236,7 @@
           <p:cNvPr id="4" name="日期占位符 3">
             <a:extLst>
               <a:ext uri="{FF2B5EF4-FFF2-40B4-BE49-F238E27FC236}">
-                <a16:creationId xmlns:a16="http://schemas.microsoft.com/office/drawing/2014/main" id="{0B65CF6D-11A8-9658-37E0-1BD5F7733AF1}"/>
+                <a16:creationId xmlns:a16="http://schemas.microsoft.com/office/drawing/2014/main" id="{F368505E-F047-8C6F-D105-182E23E8611B}"/>
               </a:ext>
             </a:extLst>
           </p:cNvPr>
@@ -252,7 +252,7 @@
           <a:bodyPr/>
           <a:lstStyle/>
           <a:p>
-            <a:fld id="{4EA6C30D-FCE5-4C6A-9E74-413A8DDADCD5}" type="datetimeFigureOut">
+            <a:fld id="{DFE57E0C-289D-4FF9-955C-11EF46A77B4C}" type="datetimeFigureOut">
               <a:rPr lang="zh-CN" altLang="en-US" smtClean="0"/>
               <a:t>2024/3/10</a:t>
             </a:fld>
@@ -265,7 +265,7 @@
           <p:cNvPr id="5" name="页脚占位符 4">
             <a:extLst>
               <a:ext uri="{FF2B5EF4-FFF2-40B4-BE49-F238E27FC236}">
-                <a16:creationId xmlns:a16="http://schemas.microsoft.com/office/drawing/2014/main" id="{B517329D-D8A8-4658-1B7F-5BA4AFF411BD}"/>
+                <a16:creationId xmlns:a16="http://schemas.microsoft.com/office/drawing/2014/main" id="{8C005324-9D80-3CA2-CF2D-C8D694A51AED}"/>
               </a:ext>
             </a:extLst>
           </p:cNvPr>
@@ -290,7 +290,7 @@
           <p:cNvPr id="6" name="灯片编号占位符 5">
             <a:extLst>
               <a:ext uri="{FF2B5EF4-FFF2-40B4-BE49-F238E27FC236}">
-                <a16:creationId xmlns:a16="http://schemas.microsoft.com/office/drawing/2014/main" id="{3332E8E2-BD7E-8BEE-9200-2262A1105943}"/>
+                <a16:creationId xmlns:a16="http://schemas.microsoft.com/office/drawing/2014/main" id="{7A60B5C6-7E23-8530-9BE4-F37974455133}"/>
               </a:ext>
             </a:extLst>
           </p:cNvPr>
@@ -306,7 +306,7 @@
           <a:bodyPr/>
           <a:lstStyle/>
           <a:p>
-            <a:fld id="{9EA89DB5-F824-42FD-A03A-233409F7B22F}" type="slidenum">
+            <a:fld id="{E7ECF8BB-F039-4725-BC2E-4BF0B92F1830}" type="slidenum">
               <a:rPr lang="zh-CN" altLang="en-US" smtClean="0"/>
               <a:t>‹#›</a:t>
             </a:fld>
@@ -317,7 +317,7 @@
     </p:spTree>
     <p:extLst>
       <p:ext uri="{BB962C8B-B14F-4D97-AF65-F5344CB8AC3E}">
-        <p14:creationId xmlns:p14="http://schemas.microsoft.com/office/powerpoint/2010/main" val="1222362576"/>
+        <p14:creationId xmlns:p14="http://schemas.microsoft.com/office/powerpoint/2010/main" val="1767611485"/>
       </p:ext>
     </p:extLst>
   </p:cSld>
@@ -349,7 +349,7 @@
           <p:cNvPr id="2" name="标题 1">
             <a:extLst>
               <a:ext uri="{FF2B5EF4-FFF2-40B4-BE49-F238E27FC236}">
-                <a16:creationId xmlns:a16="http://schemas.microsoft.com/office/drawing/2014/main" id="{71D8B6F3-4931-BEEE-D1A2-D3D2E003ED8E}"/>
+                <a16:creationId xmlns:a16="http://schemas.microsoft.com/office/drawing/2014/main" id="{A74A905A-4009-1F33-4742-A3680B25AC9F}"/>
               </a:ext>
             </a:extLst>
           </p:cNvPr>
@@ -377,7 +377,7 @@
           <p:cNvPr id="3" name="竖排文字占位符 2">
             <a:extLst>
               <a:ext uri="{FF2B5EF4-FFF2-40B4-BE49-F238E27FC236}">
-                <a16:creationId xmlns:a16="http://schemas.microsoft.com/office/drawing/2014/main" id="{FFFF4EE3-574B-2B44-3FEC-92FD83595CE0}"/>
+                <a16:creationId xmlns:a16="http://schemas.microsoft.com/office/drawing/2014/main" id="{9C9F5EE9-AC8C-84C8-27EB-C8C0FE1FA97B}"/>
               </a:ext>
             </a:extLst>
           </p:cNvPr>
@@ -434,7 +434,7 @@
           <p:cNvPr id="4" name="日期占位符 3">
             <a:extLst>
               <a:ext uri="{FF2B5EF4-FFF2-40B4-BE49-F238E27FC236}">
-                <a16:creationId xmlns:a16="http://schemas.microsoft.com/office/drawing/2014/main" id="{E419ACF2-76E1-3B34-CFBB-ED428C609924}"/>
+                <a16:creationId xmlns:a16="http://schemas.microsoft.com/office/drawing/2014/main" id="{AFB28A3E-FC1F-CC90-3A72-11F1DCE39FA3}"/>
               </a:ext>
             </a:extLst>
           </p:cNvPr>
@@ -450,7 +450,7 @@
           <a:bodyPr/>
           <a:lstStyle/>
           <a:p>
-            <a:fld id="{4EA6C30D-FCE5-4C6A-9E74-413A8DDADCD5}" type="datetimeFigureOut">
+            <a:fld id="{DFE57E0C-289D-4FF9-955C-11EF46A77B4C}" type="datetimeFigureOut">
               <a:rPr lang="zh-CN" altLang="en-US" smtClean="0"/>
               <a:t>2024/3/10</a:t>
             </a:fld>
@@ -463,7 +463,7 @@
           <p:cNvPr id="5" name="页脚占位符 4">
             <a:extLst>
               <a:ext uri="{FF2B5EF4-FFF2-40B4-BE49-F238E27FC236}">
-                <a16:creationId xmlns:a16="http://schemas.microsoft.com/office/drawing/2014/main" id="{B7067E09-291F-D658-5E76-55A735F3AEDC}"/>
+                <a16:creationId xmlns:a16="http://schemas.microsoft.com/office/drawing/2014/main" id="{9906E7C8-D493-DAC2-50D5-7C5A44B7CE9B}"/>
               </a:ext>
             </a:extLst>
           </p:cNvPr>
@@ -488,7 +488,7 @@
           <p:cNvPr id="6" name="灯片编号占位符 5">
             <a:extLst>
               <a:ext uri="{FF2B5EF4-FFF2-40B4-BE49-F238E27FC236}">
-                <a16:creationId xmlns:a16="http://schemas.microsoft.com/office/drawing/2014/main" id="{78216EF8-BD5B-15AF-C712-13C60D21F04A}"/>
+                <a16:creationId xmlns:a16="http://schemas.microsoft.com/office/drawing/2014/main" id="{9340191F-0414-5631-73F7-4DA9DFFA5337}"/>
               </a:ext>
             </a:extLst>
           </p:cNvPr>
@@ -504,7 +504,7 @@
           <a:bodyPr/>
           <a:lstStyle/>
           <a:p>
-            <a:fld id="{9EA89DB5-F824-42FD-A03A-233409F7B22F}" type="slidenum">
+            <a:fld id="{E7ECF8BB-F039-4725-BC2E-4BF0B92F1830}" type="slidenum">
               <a:rPr lang="zh-CN" altLang="en-US" smtClean="0"/>
               <a:t>‹#›</a:t>
             </a:fld>
@@ -515,7 +515,7 @@
     </p:spTree>
     <p:extLst>
       <p:ext uri="{BB962C8B-B14F-4D97-AF65-F5344CB8AC3E}">
-        <p14:creationId xmlns:p14="http://schemas.microsoft.com/office/powerpoint/2010/main" val="1436834218"/>
+        <p14:creationId xmlns:p14="http://schemas.microsoft.com/office/powerpoint/2010/main" val="2091741858"/>
       </p:ext>
     </p:extLst>
   </p:cSld>
@@ -547,7 +547,7 @@
           <p:cNvPr id="2" name="竖排标题 1">
             <a:extLst>
               <a:ext uri="{FF2B5EF4-FFF2-40B4-BE49-F238E27FC236}">
-                <a16:creationId xmlns:a16="http://schemas.microsoft.com/office/drawing/2014/main" id="{BAD5C4ED-E295-E798-A77F-3DE4FC025BA7}"/>
+                <a16:creationId xmlns:a16="http://schemas.microsoft.com/office/drawing/2014/main" id="{A9AFBB3D-2D1D-3706-FDD0-71D87A06570D}"/>
               </a:ext>
             </a:extLst>
           </p:cNvPr>
@@ -580,7 +580,7 @@
           <p:cNvPr id="3" name="竖排文字占位符 2">
             <a:extLst>
               <a:ext uri="{FF2B5EF4-FFF2-40B4-BE49-F238E27FC236}">
-                <a16:creationId xmlns:a16="http://schemas.microsoft.com/office/drawing/2014/main" id="{0215020E-9E55-7D5C-3C9B-D3708DADE7BA}"/>
+                <a16:creationId xmlns:a16="http://schemas.microsoft.com/office/drawing/2014/main" id="{5C42A95C-4B7E-14B8-15A3-53D0644AAB2C}"/>
               </a:ext>
             </a:extLst>
           </p:cNvPr>
@@ -642,7 +642,7 @@
           <p:cNvPr id="4" name="日期占位符 3">
             <a:extLst>
               <a:ext uri="{FF2B5EF4-FFF2-40B4-BE49-F238E27FC236}">
-                <a16:creationId xmlns:a16="http://schemas.microsoft.com/office/drawing/2014/main" id="{7F3EF3E8-5B83-A65B-6377-FB097F7E85F0}"/>
+                <a16:creationId xmlns:a16="http://schemas.microsoft.com/office/drawing/2014/main" id="{FBD62FB9-292C-0AC1-638B-994019D9B3C0}"/>
               </a:ext>
             </a:extLst>
           </p:cNvPr>
@@ -658,7 +658,7 @@
           <a:bodyPr/>
           <a:lstStyle/>
           <a:p>
-            <a:fld id="{4EA6C30D-FCE5-4C6A-9E74-413A8DDADCD5}" type="datetimeFigureOut">
+            <a:fld id="{DFE57E0C-289D-4FF9-955C-11EF46A77B4C}" type="datetimeFigureOut">
               <a:rPr lang="zh-CN" altLang="en-US" smtClean="0"/>
               <a:t>2024/3/10</a:t>
             </a:fld>
@@ -671,7 +671,7 @@
           <p:cNvPr id="5" name="页脚占位符 4">
             <a:extLst>
               <a:ext uri="{FF2B5EF4-FFF2-40B4-BE49-F238E27FC236}">
-                <a16:creationId xmlns:a16="http://schemas.microsoft.com/office/drawing/2014/main" id="{F9BD40D7-DC70-7EBE-8F46-4D9CFCD82044}"/>
+                <a16:creationId xmlns:a16="http://schemas.microsoft.com/office/drawing/2014/main" id="{986EA89D-F802-18DC-5DED-0EAB7F1A67E0}"/>
               </a:ext>
             </a:extLst>
           </p:cNvPr>
@@ -696,7 +696,7 @@
           <p:cNvPr id="6" name="灯片编号占位符 5">
             <a:extLst>
               <a:ext uri="{FF2B5EF4-FFF2-40B4-BE49-F238E27FC236}">
-                <a16:creationId xmlns:a16="http://schemas.microsoft.com/office/drawing/2014/main" id="{D8601448-E2F5-25F9-04B3-CD36379D0304}"/>
+                <a16:creationId xmlns:a16="http://schemas.microsoft.com/office/drawing/2014/main" id="{DB5970E1-3BE1-E659-61EB-BB325BF7C891}"/>
               </a:ext>
             </a:extLst>
           </p:cNvPr>
@@ -712,7 +712,7 @@
           <a:bodyPr/>
           <a:lstStyle/>
           <a:p>
-            <a:fld id="{9EA89DB5-F824-42FD-A03A-233409F7B22F}" type="slidenum">
+            <a:fld id="{E7ECF8BB-F039-4725-BC2E-4BF0B92F1830}" type="slidenum">
               <a:rPr lang="zh-CN" altLang="en-US" smtClean="0"/>
               <a:t>‹#›</a:t>
             </a:fld>
@@ -723,7 +723,7 @@
     </p:spTree>
     <p:extLst>
       <p:ext uri="{BB962C8B-B14F-4D97-AF65-F5344CB8AC3E}">
-        <p14:creationId xmlns:p14="http://schemas.microsoft.com/office/powerpoint/2010/main" val="1195585755"/>
+        <p14:creationId xmlns:p14="http://schemas.microsoft.com/office/powerpoint/2010/main" val="1781524397"/>
       </p:ext>
     </p:extLst>
   </p:cSld>
@@ -755,7 +755,7 @@
           <p:cNvPr id="2" name="标题 1">
             <a:extLst>
               <a:ext uri="{FF2B5EF4-FFF2-40B4-BE49-F238E27FC236}">
-                <a16:creationId xmlns:a16="http://schemas.microsoft.com/office/drawing/2014/main" id="{A47C28D2-13B6-44CA-F302-685A7B4BF526}"/>
+                <a16:creationId xmlns:a16="http://schemas.microsoft.com/office/drawing/2014/main" id="{474FA9C3-D651-1A8A-5701-C1C5CC5D3483}"/>
               </a:ext>
             </a:extLst>
           </p:cNvPr>
@@ -783,7 +783,7 @@
           <p:cNvPr id="3" name="内容占位符 2">
             <a:extLst>
               <a:ext uri="{FF2B5EF4-FFF2-40B4-BE49-F238E27FC236}">
-                <a16:creationId xmlns:a16="http://schemas.microsoft.com/office/drawing/2014/main" id="{C729C554-4EEE-3996-4FD2-9FA72C2011E2}"/>
+                <a16:creationId xmlns:a16="http://schemas.microsoft.com/office/drawing/2014/main" id="{A62C560A-2E53-73DC-7036-34FCADD895BC}"/>
               </a:ext>
             </a:extLst>
           </p:cNvPr>
@@ -840,7 +840,7 @@
           <p:cNvPr id="4" name="日期占位符 3">
             <a:extLst>
               <a:ext uri="{FF2B5EF4-FFF2-40B4-BE49-F238E27FC236}">
-                <a16:creationId xmlns:a16="http://schemas.microsoft.com/office/drawing/2014/main" id="{DC04459B-721F-40FA-54B3-7A9E82BCBAFF}"/>
+                <a16:creationId xmlns:a16="http://schemas.microsoft.com/office/drawing/2014/main" id="{DD58DC21-16CA-55DA-FE2F-6857160EB50C}"/>
               </a:ext>
             </a:extLst>
           </p:cNvPr>
@@ -856,7 +856,7 @@
           <a:bodyPr/>
           <a:lstStyle/>
           <a:p>
-            <a:fld id="{4EA6C30D-FCE5-4C6A-9E74-413A8DDADCD5}" type="datetimeFigureOut">
+            <a:fld id="{DFE57E0C-289D-4FF9-955C-11EF46A77B4C}" type="datetimeFigureOut">
               <a:rPr lang="zh-CN" altLang="en-US" smtClean="0"/>
               <a:t>2024/3/10</a:t>
             </a:fld>
@@ -869,7 +869,7 @@
           <p:cNvPr id="5" name="页脚占位符 4">
             <a:extLst>
               <a:ext uri="{FF2B5EF4-FFF2-40B4-BE49-F238E27FC236}">
-                <a16:creationId xmlns:a16="http://schemas.microsoft.com/office/drawing/2014/main" id="{9C6AD590-040F-7177-6498-359F5CEEE79A}"/>
+                <a16:creationId xmlns:a16="http://schemas.microsoft.com/office/drawing/2014/main" id="{36D556FB-08CF-87A0-DA41-E272E54A6B96}"/>
               </a:ext>
             </a:extLst>
           </p:cNvPr>
@@ -894,7 +894,7 @@
           <p:cNvPr id="6" name="灯片编号占位符 5">
             <a:extLst>
               <a:ext uri="{FF2B5EF4-FFF2-40B4-BE49-F238E27FC236}">
-                <a16:creationId xmlns:a16="http://schemas.microsoft.com/office/drawing/2014/main" id="{5FE0E062-272F-6632-6B88-518D6314F0EB}"/>
+                <a16:creationId xmlns:a16="http://schemas.microsoft.com/office/drawing/2014/main" id="{9FD8FB45-AF02-5200-75A0-557EB54980BF}"/>
               </a:ext>
             </a:extLst>
           </p:cNvPr>
@@ -910,7 +910,7 @@
           <a:bodyPr/>
           <a:lstStyle/>
           <a:p>
-            <a:fld id="{9EA89DB5-F824-42FD-A03A-233409F7B22F}" type="slidenum">
+            <a:fld id="{E7ECF8BB-F039-4725-BC2E-4BF0B92F1830}" type="slidenum">
               <a:rPr lang="zh-CN" altLang="en-US" smtClean="0"/>
               <a:t>‹#›</a:t>
             </a:fld>
@@ -921,7 +921,7 @@
     </p:spTree>
     <p:extLst>
       <p:ext uri="{BB962C8B-B14F-4D97-AF65-F5344CB8AC3E}">
-        <p14:creationId xmlns:p14="http://schemas.microsoft.com/office/powerpoint/2010/main" val="3876574954"/>
+        <p14:creationId xmlns:p14="http://schemas.microsoft.com/office/powerpoint/2010/main" val="729083031"/>
       </p:ext>
     </p:extLst>
   </p:cSld>
@@ -953,7 +953,7 @@
           <p:cNvPr id="2" name="标题 1">
             <a:extLst>
               <a:ext uri="{FF2B5EF4-FFF2-40B4-BE49-F238E27FC236}">
-                <a16:creationId xmlns:a16="http://schemas.microsoft.com/office/drawing/2014/main" id="{7916A5B4-92E6-9075-8BDE-1509CC741AD6}"/>
+                <a16:creationId xmlns:a16="http://schemas.microsoft.com/office/drawing/2014/main" id="{F1D2855B-A344-43AA-DCD7-9616DCEF1050}"/>
               </a:ext>
             </a:extLst>
           </p:cNvPr>
@@ -990,7 +990,7 @@
           <p:cNvPr id="3" name="文本占位符 2">
             <a:extLst>
               <a:ext uri="{FF2B5EF4-FFF2-40B4-BE49-F238E27FC236}">
-                <a16:creationId xmlns:a16="http://schemas.microsoft.com/office/drawing/2014/main" id="{FDF2EAAF-4010-E5D9-4FBE-9853DDFBD868}"/>
+                <a16:creationId xmlns:a16="http://schemas.microsoft.com/office/drawing/2014/main" id="{AA1B7D86-5031-DD56-6D6B-1C65EF640F83}"/>
               </a:ext>
             </a:extLst>
           </p:cNvPr>
@@ -1115,7 +1115,7 @@
           <p:cNvPr id="4" name="日期占位符 3">
             <a:extLst>
               <a:ext uri="{FF2B5EF4-FFF2-40B4-BE49-F238E27FC236}">
-                <a16:creationId xmlns:a16="http://schemas.microsoft.com/office/drawing/2014/main" id="{896E8DC9-B12D-4192-F744-0507697D1B54}"/>
+                <a16:creationId xmlns:a16="http://schemas.microsoft.com/office/drawing/2014/main" id="{4AF8CFC9-E780-11AE-E632-498F5E172142}"/>
               </a:ext>
             </a:extLst>
           </p:cNvPr>
@@ -1131,7 +1131,7 @@
           <a:bodyPr/>
           <a:lstStyle/>
           <a:p>
-            <a:fld id="{4EA6C30D-FCE5-4C6A-9E74-413A8DDADCD5}" type="datetimeFigureOut">
+            <a:fld id="{DFE57E0C-289D-4FF9-955C-11EF46A77B4C}" type="datetimeFigureOut">
               <a:rPr lang="zh-CN" altLang="en-US" smtClean="0"/>
               <a:t>2024/3/10</a:t>
             </a:fld>
@@ -1144,7 +1144,7 @@
           <p:cNvPr id="5" name="页脚占位符 4">
             <a:extLst>
               <a:ext uri="{FF2B5EF4-FFF2-40B4-BE49-F238E27FC236}">
-                <a16:creationId xmlns:a16="http://schemas.microsoft.com/office/drawing/2014/main" id="{6AE9580F-A6AB-6B48-419E-198DA9D35827}"/>
+                <a16:creationId xmlns:a16="http://schemas.microsoft.com/office/drawing/2014/main" id="{29411C14-18CA-9A6C-767F-51333ADEFBF8}"/>
               </a:ext>
             </a:extLst>
           </p:cNvPr>
@@ -1169,7 +1169,7 @@
           <p:cNvPr id="6" name="灯片编号占位符 5">
             <a:extLst>
               <a:ext uri="{FF2B5EF4-FFF2-40B4-BE49-F238E27FC236}">
-                <a16:creationId xmlns:a16="http://schemas.microsoft.com/office/drawing/2014/main" id="{C780FFFC-4A2B-2C8A-0BB3-0A75351C6DA7}"/>
+                <a16:creationId xmlns:a16="http://schemas.microsoft.com/office/drawing/2014/main" id="{B9119395-2185-D3F5-C750-D3C2919BA8E4}"/>
               </a:ext>
             </a:extLst>
           </p:cNvPr>
@@ -1185,7 +1185,7 @@
           <a:bodyPr/>
           <a:lstStyle/>
           <a:p>
-            <a:fld id="{9EA89DB5-F824-42FD-A03A-233409F7B22F}" type="slidenum">
+            <a:fld id="{E7ECF8BB-F039-4725-BC2E-4BF0B92F1830}" type="slidenum">
               <a:rPr lang="zh-CN" altLang="en-US" smtClean="0"/>
               <a:t>‹#›</a:t>
             </a:fld>
@@ -1196,7 +1196,7 @@
     </p:spTree>
     <p:extLst>
       <p:ext uri="{BB962C8B-B14F-4D97-AF65-F5344CB8AC3E}">
-        <p14:creationId xmlns:p14="http://schemas.microsoft.com/office/powerpoint/2010/main" val="2580782574"/>
+        <p14:creationId xmlns:p14="http://schemas.microsoft.com/office/powerpoint/2010/main" val="2392190268"/>
       </p:ext>
     </p:extLst>
   </p:cSld>
@@ -1228,7 +1228,7 @@
           <p:cNvPr id="2" name="标题 1">
             <a:extLst>
               <a:ext uri="{FF2B5EF4-FFF2-40B4-BE49-F238E27FC236}">
-                <a16:creationId xmlns:a16="http://schemas.microsoft.com/office/drawing/2014/main" id="{A4D620EA-BDDC-59C3-E771-8651DF90FC68}"/>
+                <a16:creationId xmlns:a16="http://schemas.microsoft.com/office/drawing/2014/main" id="{BF39A0AB-B169-9714-DEC4-3DD5D11BB809}"/>
               </a:ext>
             </a:extLst>
           </p:cNvPr>
@@ -1256,7 +1256,7 @@
           <p:cNvPr id="3" name="内容占位符 2">
             <a:extLst>
               <a:ext uri="{FF2B5EF4-FFF2-40B4-BE49-F238E27FC236}">
-                <a16:creationId xmlns:a16="http://schemas.microsoft.com/office/drawing/2014/main" id="{168C748A-D75E-A63E-80F1-F534294974EF}"/>
+                <a16:creationId xmlns:a16="http://schemas.microsoft.com/office/drawing/2014/main" id="{008B68C6-7245-2E33-92C0-574A75FCD308}"/>
               </a:ext>
             </a:extLst>
           </p:cNvPr>
@@ -1318,7 +1318,7 @@
           <p:cNvPr id="4" name="内容占位符 3">
             <a:extLst>
               <a:ext uri="{FF2B5EF4-FFF2-40B4-BE49-F238E27FC236}">
-                <a16:creationId xmlns:a16="http://schemas.microsoft.com/office/drawing/2014/main" id="{D6D3D417-78F7-5A1B-1FB9-47267CCED52D}"/>
+                <a16:creationId xmlns:a16="http://schemas.microsoft.com/office/drawing/2014/main" id="{65EB5301-A7B2-58C7-C0B1-7B730F8A59A0}"/>
               </a:ext>
             </a:extLst>
           </p:cNvPr>
@@ -1380,7 +1380,7 @@
           <p:cNvPr id="5" name="日期占位符 4">
             <a:extLst>
               <a:ext uri="{FF2B5EF4-FFF2-40B4-BE49-F238E27FC236}">
-                <a16:creationId xmlns:a16="http://schemas.microsoft.com/office/drawing/2014/main" id="{507BD63D-8649-82D4-8671-4E20756F5181}"/>
+                <a16:creationId xmlns:a16="http://schemas.microsoft.com/office/drawing/2014/main" id="{4C95B6A7-DAD5-B5D4-F949-763D9CDC1293}"/>
               </a:ext>
             </a:extLst>
           </p:cNvPr>
@@ -1396,7 +1396,7 @@
           <a:bodyPr/>
           <a:lstStyle/>
           <a:p>
-            <a:fld id="{4EA6C30D-FCE5-4C6A-9E74-413A8DDADCD5}" type="datetimeFigureOut">
+            <a:fld id="{DFE57E0C-289D-4FF9-955C-11EF46A77B4C}" type="datetimeFigureOut">
               <a:rPr lang="zh-CN" altLang="en-US" smtClean="0"/>
               <a:t>2024/3/10</a:t>
             </a:fld>
@@ -1409,7 +1409,7 @@
           <p:cNvPr id="6" name="页脚占位符 5">
             <a:extLst>
               <a:ext uri="{FF2B5EF4-FFF2-40B4-BE49-F238E27FC236}">
-                <a16:creationId xmlns:a16="http://schemas.microsoft.com/office/drawing/2014/main" id="{D998A790-BB16-6758-7B4C-04901217887B}"/>
+                <a16:creationId xmlns:a16="http://schemas.microsoft.com/office/drawing/2014/main" id="{92FA269A-E0F9-AD0D-1D4B-147CB3DD1C87}"/>
               </a:ext>
             </a:extLst>
           </p:cNvPr>
@@ -1434,7 +1434,7 @@
           <p:cNvPr id="7" name="灯片编号占位符 6">
             <a:extLst>
               <a:ext uri="{FF2B5EF4-FFF2-40B4-BE49-F238E27FC236}">
-                <a16:creationId xmlns:a16="http://schemas.microsoft.com/office/drawing/2014/main" id="{84E606D7-2AB8-3B60-E831-09B59CC0165A}"/>
+                <a16:creationId xmlns:a16="http://schemas.microsoft.com/office/drawing/2014/main" id="{4359B78B-774D-18E7-A069-787E46F6FDC4}"/>
               </a:ext>
             </a:extLst>
           </p:cNvPr>
@@ -1450,7 +1450,7 @@
           <a:bodyPr/>
           <a:lstStyle/>
           <a:p>
-            <a:fld id="{9EA89DB5-F824-42FD-A03A-233409F7B22F}" type="slidenum">
+            <a:fld id="{E7ECF8BB-F039-4725-BC2E-4BF0B92F1830}" type="slidenum">
               <a:rPr lang="zh-CN" altLang="en-US" smtClean="0"/>
               <a:t>‹#›</a:t>
             </a:fld>
@@ -1461,7 +1461,7 @@
     </p:spTree>
     <p:extLst>
       <p:ext uri="{BB962C8B-B14F-4D97-AF65-F5344CB8AC3E}">
-        <p14:creationId xmlns:p14="http://schemas.microsoft.com/office/powerpoint/2010/main" val="3870123117"/>
+        <p14:creationId xmlns:p14="http://schemas.microsoft.com/office/powerpoint/2010/main" val="3469066499"/>
       </p:ext>
     </p:extLst>
   </p:cSld>
@@ -1493,7 +1493,7 @@
           <p:cNvPr id="2" name="标题 1">
             <a:extLst>
               <a:ext uri="{FF2B5EF4-FFF2-40B4-BE49-F238E27FC236}">
-                <a16:creationId xmlns:a16="http://schemas.microsoft.com/office/drawing/2014/main" id="{91DA9992-E1F6-E5C0-54D9-5DCB5E56E6A3}"/>
+                <a16:creationId xmlns:a16="http://schemas.microsoft.com/office/drawing/2014/main" id="{D63A816F-D387-2215-D6F7-65DD42CF05B2}"/>
               </a:ext>
             </a:extLst>
           </p:cNvPr>
@@ -1526,7 +1526,7 @@
           <p:cNvPr id="3" name="文本占位符 2">
             <a:extLst>
               <a:ext uri="{FF2B5EF4-FFF2-40B4-BE49-F238E27FC236}">
-                <a16:creationId xmlns:a16="http://schemas.microsoft.com/office/drawing/2014/main" id="{08B70BDC-A29B-9E8A-CE13-C6BE3C1209DB}"/>
+                <a16:creationId xmlns:a16="http://schemas.microsoft.com/office/drawing/2014/main" id="{AAE75607-3504-A570-9BB8-C9040890A2BA}"/>
               </a:ext>
             </a:extLst>
           </p:cNvPr>
@@ -1597,7 +1597,7 @@
           <p:cNvPr id="4" name="内容占位符 3">
             <a:extLst>
               <a:ext uri="{FF2B5EF4-FFF2-40B4-BE49-F238E27FC236}">
-                <a16:creationId xmlns:a16="http://schemas.microsoft.com/office/drawing/2014/main" id="{FE40D809-3326-7FE2-54E7-F0347D58BFB8}"/>
+                <a16:creationId xmlns:a16="http://schemas.microsoft.com/office/drawing/2014/main" id="{3EEFCFC9-5CF0-7792-B010-B871592BD985}"/>
               </a:ext>
             </a:extLst>
           </p:cNvPr>
@@ -1659,7 +1659,7 @@
           <p:cNvPr id="5" name="文本占位符 4">
             <a:extLst>
               <a:ext uri="{FF2B5EF4-FFF2-40B4-BE49-F238E27FC236}">
-                <a16:creationId xmlns:a16="http://schemas.microsoft.com/office/drawing/2014/main" id="{FB0D090E-C3FB-B1E2-54AD-727C5CEA48A2}"/>
+                <a16:creationId xmlns:a16="http://schemas.microsoft.com/office/drawing/2014/main" id="{9C08980B-D4A7-AEA7-7AF7-7D24192FF068}"/>
               </a:ext>
             </a:extLst>
           </p:cNvPr>
@@ -1730,7 +1730,7 @@
           <p:cNvPr id="6" name="内容占位符 5">
             <a:extLst>
               <a:ext uri="{FF2B5EF4-FFF2-40B4-BE49-F238E27FC236}">
-                <a16:creationId xmlns:a16="http://schemas.microsoft.com/office/drawing/2014/main" id="{0D97A0EB-DA31-35DD-EB33-9ADC530D626E}"/>
+                <a16:creationId xmlns:a16="http://schemas.microsoft.com/office/drawing/2014/main" id="{80B329F3-E7A3-7B8C-A526-66AE2B7CA131}"/>
               </a:ext>
             </a:extLst>
           </p:cNvPr>
@@ -1792,7 +1792,7 @@
           <p:cNvPr id="7" name="日期占位符 6">
             <a:extLst>
               <a:ext uri="{FF2B5EF4-FFF2-40B4-BE49-F238E27FC236}">
-                <a16:creationId xmlns:a16="http://schemas.microsoft.com/office/drawing/2014/main" id="{81A28DC7-2FE1-17CE-30F8-D14DAA812EB1}"/>
+                <a16:creationId xmlns:a16="http://schemas.microsoft.com/office/drawing/2014/main" id="{1E78DA18-9593-FF5A-87D4-0CECE0AC07E7}"/>
               </a:ext>
             </a:extLst>
           </p:cNvPr>
@@ -1808,7 +1808,7 @@
           <a:bodyPr/>
           <a:lstStyle/>
           <a:p>
-            <a:fld id="{4EA6C30D-FCE5-4C6A-9E74-413A8DDADCD5}" type="datetimeFigureOut">
+            <a:fld id="{DFE57E0C-289D-4FF9-955C-11EF46A77B4C}" type="datetimeFigureOut">
               <a:rPr lang="zh-CN" altLang="en-US" smtClean="0"/>
               <a:t>2024/3/10</a:t>
             </a:fld>
@@ -1821,7 +1821,7 @@
           <p:cNvPr id="8" name="页脚占位符 7">
             <a:extLst>
               <a:ext uri="{FF2B5EF4-FFF2-40B4-BE49-F238E27FC236}">
-                <a16:creationId xmlns:a16="http://schemas.microsoft.com/office/drawing/2014/main" id="{6796A428-5FBA-1E0C-8857-197EC49BFF28}"/>
+                <a16:creationId xmlns:a16="http://schemas.microsoft.com/office/drawing/2014/main" id="{C070A2C5-3570-BD94-07FF-F98567F868F2}"/>
               </a:ext>
             </a:extLst>
           </p:cNvPr>
@@ -1846,7 +1846,7 @@
           <p:cNvPr id="9" name="灯片编号占位符 8">
             <a:extLst>
               <a:ext uri="{FF2B5EF4-FFF2-40B4-BE49-F238E27FC236}">
-                <a16:creationId xmlns:a16="http://schemas.microsoft.com/office/drawing/2014/main" id="{021C0BFC-FFD1-B657-13F4-2040CA920954}"/>
+                <a16:creationId xmlns:a16="http://schemas.microsoft.com/office/drawing/2014/main" id="{CA3F52A3-BB4A-43DF-97DA-119DF62BCD0A}"/>
               </a:ext>
             </a:extLst>
           </p:cNvPr>
@@ -1862,7 +1862,7 @@
           <a:bodyPr/>
           <a:lstStyle/>
           <a:p>
-            <a:fld id="{9EA89DB5-F824-42FD-A03A-233409F7B22F}" type="slidenum">
+            <a:fld id="{E7ECF8BB-F039-4725-BC2E-4BF0B92F1830}" type="slidenum">
               <a:rPr lang="zh-CN" altLang="en-US" smtClean="0"/>
               <a:t>‹#›</a:t>
             </a:fld>
@@ -1873,7 +1873,7 @@
     </p:spTree>
     <p:extLst>
       <p:ext uri="{BB962C8B-B14F-4D97-AF65-F5344CB8AC3E}">
-        <p14:creationId xmlns:p14="http://schemas.microsoft.com/office/powerpoint/2010/main" val="1158160111"/>
+        <p14:creationId xmlns:p14="http://schemas.microsoft.com/office/powerpoint/2010/main" val="1799311486"/>
       </p:ext>
     </p:extLst>
   </p:cSld>
@@ -1905,7 +1905,7 @@
           <p:cNvPr id="2" name="标题 1">
             <a:extLst>
               <a:ext uri="{FF2B5EF4-FFF2-40B4-BE49-F238E27FC236}">
-                <a16:creationId xmlns:a16="http://schemas.microsoft.com/office/drawing/2014/main" id="{D06BD257-B906-43FA-826F-5CCF7BFA091D}"/>
+                <a16:creationId xmlns:a16="http://schemas.microsoft.com/office/drawing/2014/main" id="{20AAA0BF-2132-82B3-8DA2-29D553919E6F}"/>
               </a:ext>
             </a:extLst>
           </p:cNvPr>
@@ -1933,7 +1933,7 @@
           <p:cNvPr id="3" name="日期占位符 2">
             <a:extLst>
               <a:ext uri="{FF2B5EF4-FFF2-40B4-BE49-F238E27FC236}">
-                <a16:creationId xmlns:a16="http://schemas.microsoft.com/office/drawing/2014/main" id="{849B7F0A-B384-0D6A-2B23-684E7D71167C}"/>
+                <a16:creationId xmlns:a16="http://schemas.microsoft.com/office/drawing/2014/main" id="{28F1941F-559A-180E-44FF-BB40B8211CC4}"/>
               </a:ext>
             </a:extLst>
           </p:cNvPr>
@@ -1949,7 +1949,7 @@
           <a:bodyPr/>
           <a:lstStyle/>
           <a:p>
-            <a:fld id="{4EA6C30D-FCE5-4C6A-9E74-413A8DDADCD5}" type="datetimeFigureOut">
+            <a:fld id="{DFE57E0C-289D-4FF9-955C-11EF46A77B4C}" type="datetimeFigureOut">
               <a:rPr lang="zh-CN" altLang="en-US" smtClean="0"/>
               <a:t>2024/3/10</a:t>
             </a:fld>
@@ -1962,7 +1962,7 @@
           <p:cNvPr id="4" name="页脚占位符 3">
             <a:extLst>
               <a:ext uri="{FF2B5EF4-FFF2-40B4-BE49-F238E27FC236}">
-                <a16:creationId xmlns:a16="http://schemas.microsoft.com/office/drawing/2014/main" id="{80A7BFB6-4F13-71EE-0B46-11D86FA2B739}"/>
+                <a16:creationId xmlns:a16="http://schemas.microsoft.com/office/drawing/2014/main" id="{A8FA635C-687E-31E8-8F59-0CF289E7EE2E}"/>
               </a:ext>
             </a:extLst>
           </p:cNvPr>
@@ -1987,7 +1987,7 @@
           <p:cNvPr id="5" name="灯片编号占位符 4">
             <a:extLst>
               <a:ext uri="{FF2B5EF4-FFF2-40B4-BE49-F238E27FC236}">
-                <a16:creationId xmlns:a16="http://schemas.microsoft.com/office/drawing/2014/main" id="{22577DFF-803C-7144-1506-93376578CDCC}"/>
+                <a16:creationId xmlns:a16="http://schemas.microsoft.com/office/drawing/2014/main" id="{8F2BB10B-AB14-3E42-F141-28673049ACAF}"/>
               </a:ext>
             </a:extLst>
           </p:cNvPr>
@@ -2003,7 +2003,7 @@
           <a:bodyPr/>
           <a:lstStyle/>
           <a:p>
-            <a:fld id="{9EA89DB5-F824-42FD-A03A-233409F7B22F}" type="slidenum">
+            <a:fld id="{E7ECF8BB-F039-4725-BC2E-4BF0B92F1830}" type="slidenum">
               <a:rPr lang="zh-CN" altLang="en-US" smtClean="0"/>
               <a:t>‹#›</a:t>
             </a:fld>
@@ -2014,7 +2014,7 @@
     </p:spTree>
     <p:extLst>
       <p:ext uri="{BB962C8B-B14F-4D97-AF65-F5344CB8AC3E}">
-        <p14:creationId xmlns:p14="http://schemas.microsoft.com/office/powerpoint/2010/main" val="2346889579"/>
+        <p14:creationId xmlns:p14="http://schemas.microsoft.com/office/powerpoint/2010/main" val="1628791139"/>
       </p:ext>
     </p:extLst>
   </p:cSld>
@@ -2046,7 +2046,7 @@
           <p:cNvPr id="2" name="日期占位符 1">
             <a:extLst>
               <a:ext uri="{FF2B5EF4-FFF2-40B4-BE49-F238E27FC236}">
-                <a16:creationId xmlns:a16="http://schemas.microsoft.com/office/drawing/2014/main" id="{3BDB8C8F-4655-FAC1-64FF-69DC129F6396}"/>
+                <a16:creationId xmlns:a16="http://schemas.microsoft.com/office/drawing/2014/main" id="{B2A308E0-059B-B850-4B67-EA3D71305AF5}"/>
               </a:ext>
             </a:extLst>
           </p:cNvPr>
@@ -2062,7 +2062,7 @@
           <a:bodyPr/>
           <a:lstStyle/>
           <a:p>
-            <a:fld id="{4EA6C30D-FCE5-4C6A-9E74-413A8DDADCD5}" type="datetimeFigureOut">
+            <a:fld id="{DFE57E0C-289D-4FF9-955C-11EF46A77B4C}" type="datetimeFigureOut">
               <a:rPr lang="zh-CN" altLang="en-US" smtClean="0"/>
               <a:t>2024/3/10</a:t>
             </a:fld>
@@ -2075,7 +2075,7 @@
           <p:cNvPr id="3" name="页脚占位符 2">
             <a:extLst>
               <a:ext uri="{FF2B5EF4-FFF2-40B4-BE49-F238E27FC236}">
-                <a16:creationId xmlns:a16="http://schemas.microsoft.com/office/drawing/2014/main" id="{E8C100BB-E550-2F3A-6A80-1EBC1266AEB7}"/>
+                <a16:creationId xmlns:a16="http://schemas.microsoft.com/office/drawing/2014/main" id="{E46ABA08-E12A-59AD-151B-72B63E5E30E3}"/>
               </a:ext>
             </a:extLst>
           </p:cNvPr>
@@ -2100,7 +2100,7 @@
           <p:cNvPr id="4" name="灯片编号占位符 3">
             <a:extLst>
               <a:ext uri="{FF2B5EF4-FFF2-40B4-BE49-F238E27FC236}">
-                <a16:creationId xmlns:a16="http://schemas.microsoft.com/office/drawing/2014/main" id="{12890C18-6D82-F26A-3922-72E7B5849E69}"/>
+                <a16:creationId xmlns:a16="http://schemas.microsoft.com/office/drawing/2014/main" id="{3F643465-CDA9-CA28-CC7F-B7B9BEC1A73C}"/>
               </a:ext>
             </a:extLst>
           </p:cNvPr>
@@ -2116,7 +2116,7 @@
           <a:bodyPr/>
           <a:lstStyle/>
           <a:p>
-            <a:fld id="{9EA89DB5-F824-42FD-A03A-233409F7B22F}" type="slidenum">
+            <a:fld id="{E7ECF8BB-F039-4725-BC2E-4BF0B92F1830}" type="slidenum">
               <a:rPr lang="zh-CN" altLang="en-US" smtClean="0"/>
               <a:t>‹#›</a:t>
             </a:fld>
@@ -2127,7 +2127,7 @@
     </p:spTree>
     <p:extLst>
       <p:ext uri="{BB962C8B-B14F-4D97-AF65-F5344CB8AC3E}">
-        <p14:creationId xmlns:p14="http://schemas.microsoft.com/office/powerpoint/2010/main" val="1375139052"/>
+        <p14:creationId xmlns:p14="http://schemas.microsoft.com/office/powerpoint/2010/main" val="3188837011"/>
       </p:ext>
     </p:extLst>
   </p:cSld>
@@ -2159,7 +2159,7 @@
           <p:cNvPr id="2" name="标题 1">
             <a:extLst>
               <a:ext uri="{FF2B5EF4-FFF2-40B4-BE49-F238E27FC236}">
-                <a16:creationId xmlns:a16="http://schemas.microsoft.com/office/drawing/2014/main" id="{E4101ACE-E8E0-48EC-7F4A-6D06FF639882}"/>
+                <a16:creationId xmlns:a16="http://schemas.microsoft.com/office/drawing/2014/main" id="{98B8A9D8-70E8-9CB0-9A21-4A4BDFCDBB25}"/>
               </a:ext>
             </a:extLst>
           </p:cNvPr>
@@ -2196,7 +2196,7 @@
           <p:cNvPr id="3" name="内容占位符 2">
             <a:extLst>
               <a:ext uri="{FF2B5EF4-FFF2-40B4-BE49-F238E27FC236}">
-                <a16:creationId xmlns:a16="http://schemas.microsoft.com/office/drawing/2014/main" id="{9FE772F0-72F9-CF9A-54EA-3F1F002C9229}"/>
+                <a16:creationId xmlns:a16="http://schemas.microsoft.com/office/drawing/2014/main" id="{EE8FD113-5F7F-5AE8-F050-0487FEC0A22C}"/>
               </a:ext>
             </a:extLst>
           </p:cNvPr>
@@ -2286,7 +2286,7 @@
           <p:cNvPr id="4" name="文本占位符 3">
             <a:extLst>
               <a:ext uri="{FF2B5EF4-FFF2-40B4-BE49-F238E27FC236}">
-                <a16:creationId xmlns:a16="http://schemas.microsoft.com/office/drawing/2014/main" id="{5E73EB00-2E81-F245-4972-388B5E3E5E7B}"/>
+                <a16:creationId xmlns:a16="http://schemas.microsoft.com/office/drawing/2014/main" id="{4F37EE9C-42C5-A96D-B359-504988FA016F}"/>
               </a:ext>
             </a:extLst>
           </p:cNvPr>
@@ -2357,7 +2357,7 @@
           <p:cNvPr id="5" name="日期占位符 4">
             <a:extLst>
               <a:ext uri="{FF2B5EF4-FFF2-40B4-BE49-F238E27FC236}">
-                <a16:creationId xmlns:a16="http://schemas.microsoft.com/office/drawing/2014/main" id="{8FD02090-9A70-A8CE-B548-46EBD152167D}"/>
+                <a16:creationId xmlns:a16="http://schemas.microsoft.com/office/drawing/2014/main" id="{913C8145-DE0E-9DE9-F742-585D53BD8539}"/>
               </a:ext>
             </a:extLst>
           </p:cNvPr>
@@ -2373,7 +2373,7 @@
           <a:bodyPr/>
           <a:lstStyle/>
           <a:p>
-            <a:fld id="{4EA6C30D-FCE5-4C6A-9E74-413A8DDADCD5}" type="datetimeFigureOut">
+            <a:fld id="{DFE57E0C-289D-4FF9-955C-11EF46A77B4C}" type="datetimeFigureOut">
               <a:rPr lang="zh-CN" altLang="en-US" smtClean="0"/>
               <a:t>2024/3/10</a:t>
             </a:fld>
@@ -2386,7 +2386,7 @@
           <p:cNvPr id="6" name="页脚占位符 5">
             <a:extLst>
               <a:ext uri="{FF2B5EF4-FFF2-40B4-BE49-F238E27FC236}">
-                <a16:creationId xmlns:a16="http://schemas.microsoft.com/office/drawing/2014/main" id="{C5BA08EA-B646-82F5-E208-1A799C1316F8}"/>
+                <a16:creationId xmlns:a16="http://schemas.microsoft.com/office/drawing/2014/main" id="{E55D047F-08E7-7C2D-E7D8-5DCBEB2EAE06}"/>
               </a:ext>
             </a:extLst>
           </p:cNvPr>
@@ -2411,7 +2411,7 @@
           <p:cNvPr id="7" name="灯片编号占位符 6">
             <a:extLst>
               <a:ext uri="{FF2B5EF4-FFF2-40B4-BE49-F238E27FC236}">
-                <a16:creationId xmlns:a16="http://schemas.microsoft.com/office/drawing/2014/main" id="{991C7142-6558-D56C-C050-1BC30F7E1E3D}"/>
+                <a16:creationId xmlns:a16="http://schemas.microsoft.com/office/drawing/2014/main" id="{95E86286-9595-5615-8EE5-CACDBC838A19}"/>
               </a:ext>
             </a:extLst>
           </p:cNvPr>
@@ -2427,7 +2427,7 @@
           <a:bodyPr/>
           <a:lstStyle/>
           <a:p>
-            <a:fld id="{9EA89DB5-F824-42FD-A03A-233409F7B22F}" type="slidenum">
+            <a:fld id="{E7ECF8BB-F039-4725-BC2E-4BF0B92F1830}" type="slidenum">
               <a:rPr lang="zh-CN" altLang="en-US" smtClean="0"/>
               <a:t>‹#›</a:t>
             </a:fld>
@@ -2438,7 +2438,7 @@
     </p:spTree>
     <p:extLst>
       <p:ext uri="{BB962C8B-B14F-4D97-AF65-F5344CB8AC3E}">
-        <p14:creationId xmlns:p14="http://schemas.microsoft.com/office/powerpoint/2010/main" val="390222328"/>
+        <p14:creationId xmlns:p14="http://schemas.microsoft.com/office/powerpoint/2010/main" val="337321833"/>
       </p:ext>
     </p:extLst>
   </p:cSld>
@@ -2470,7 +2470,7 @@
           <p:cNvPr id="2" name="标题 1">
             <a:extLst>
               <a:ext uri="{FF2B5EF4-FFF2-40B4-BE49-F238E27FC236}">
-                <a16:creationId xmlns:a16="http://schemas.microsoft.com/office/drawing/2014/main" id="{5850C9FE-4856-FDAF-5C62-9BBE2D40413C}"/>
+                <a16:creationId xmlns:a16="http://schemas.microsoft.com/office/drawing/2014/main" id="{5A31C3D7-42E1-E34D-8511-8F294F50737E}"/>
               </a:ext>
             </a:extLst>
           </p:cNvPr>
@@ -2507,7 +2507,7 @@
           <p:cNvPr id="3" name="图片占位符 2">
             <a:extLst>
               <a:ext uri="{FF2B5EF4-FFF2-40B4-BE49-F238E27FC236}">
-                <a16:creationId xmlns:a16="http://schemas.microsoft.com/office/drawing/2014/main" id="{CA0615D9-C879-73CA-0FF4-264986398BE7}"/>
+                <a16:creationId xmlns:a16="http://schemas.microsoft.com/office/drawing/2014/main" id="{9A0C99EC-D8A4-88C6-E406-62AA2E94867A}"/>
               </a:ext>
             </a:extLst>
           </p:cNvPr>
@@ -2574,7 +2574,7 @@
           <p:cNvPr id="4" name="文本占位符 3">
             <a:extLst>
               <a:ext uri="{FF2B5EF4-FFF2-40B4-BE49-F238E27FC236}">
-                <a16:creationId xmlns:a16="http://schemas.microsoft.com/office/drawing/2014/main" id="{B9E05478-161D-FA76-3160-F03FFE744753}"/>
+                <a16:creationId xmlns:a16="http://schemas.microsoft.com/office/drawing/2014/main" id="{65B38978-7389-BF2C-2B61-B695A00E64AA}"/>
               </a:ext>
             </a:extLst>
           </p:cNvPr>
@@ -2645,7 +2645,7 @@
           <p:cNvPr id="5" name="日期占位符 4">
             <a:extLst>
               <a:ext uri="{FF2B5EF4-FFF2-40B4-BE49-F238E27FC236}">
-                <a16:creationId xmlns:a16="http://schemas.microsoft.com/office/drawing/2014/main" id="{2CCDD1E1-92EC-5A37-0BEF-066A53C43DF6}"/>
+                <a16:creationId xmlns:a16="http://schemas.microsoft.com/office/drawing/2014/main" id="{9FA003A4-98B4-5C21-70DC-34EA939D17AC}"/>
               </a:ext>
             </a:extLst>
           </p:cNvPr>
@@ -2661,7 +2661,7 @@
           <a:bodyPr/>
           <a:lstStyle/>
           <a:p>
-            <a:fld id="{4EA6C30D-FCE5-4C6A-9E74-413A8DDADCD5}" type="datetimeFigureOut">
+            <a:fld id="{DFE57E0C-289D-4FF9-955C-11EF46A77B4C}" type="datetimeFigureOut">
               <a:rPr lang="zh-CN" altLang="en-US" smtClean="0"/>
               <a:t>2024/3/10</a:t>
             </a:fld>
@@ -2674,7 +2674,7 @@
           <p:cNvPr id="6" name="页脚占位符 5">
             <a:extLst>
               <a:ext uri="{FF2B5EF4-FFF2-40B4-BE49-F238E27FC236}">
-                <a16:creationId xmlns:a16="http://schemas.microsoft.com/office/drawing/2014/main" id="{4D6C5C84-5677-708D-F5C5-778CD2C0516F}"/>
+                <a16:creationId xmlns:a16="http://schemas.microsoft.com/office/drawing/2014/main" id="{66F88D81-102B-AA77-8357-8B20645727B7}"/>
               </a:ext>
             </a:extLst>
           </p:cNvPr>
@@ -2699,7 +2699,7 @@
           <p:cNvPr id="7" name="灯片编号占位符 6">
             <a:extLst>
               <a:ext uri="{FF2B5EF4-FFF2-40B4-BE49-F238E27FC236}">
-                <a16:creationId xmlns:a16="http://schemas.microsoft.com/office/drawing/2014/main" id="{16C2DD72-1BD7-C902-6C2D-1540518FDBF5}"/>
+                <a16:creationId xmlns:a16="http://schemas.microsoft.com/office/drawing/2014/main" id="{0D824AF3-1033-4FFB-90C9-B6FF3F281A19}"/>
               </a:ext>
             </a:extLst>
           </p:cNvPr>
@@ -2715,7 +2715,7 @@
           <a:bodyPr/>
           <a:lstStyle/>
           <a:p>
-            <a:fld id="{9EA89DB5-F824-42FD-A03A-233409F7B22F}" type="slidenum">
+            <a:fld id="{E7ECF8BB-F039-4725-BC2E-4BF0B92F1830}" type="slidenum">
               <a:rPr lang="zh-CN" altLang="en-US" smtClean="0"/>
               <a:t>‹#›</a:t>
             </a:fld>
@@ -2726,7 +2726,7 @@
     </p:spTree>
     <p:extLst>
       <p:ext uri="{BB962C8B-B14F-4D97-AF65-F5344CB8AC3E}">
-        <p14:creationId xmlns:p14="http://schemas.microsoft.com/office/powerpoint/2010/main" val="3177343461"/>
+        <p14:creationId xmlns:p14="http://schemas.microsoft.com/office/powerpoint/2010/main" val="3387678061"/>
       </p:ext>
     </p:extLst>
   </p:cSld>
@@ -2763,7 +2763,7 @@
           <p:cNvPr id="2" name="标题占位符 1">
             <a:extLst>
               <a:ext uri="{FF2B5EF4-FFF2-40B4-BE49-F238E27FC236}">
-                <a16:creationId xmlns:a16="http://schemas.microsoft.com/office/drawing/2014/main" id="{5B0E218D-19B8-0DA7-98F6-092BE97DDF8E}"/>
+                <a16:creationId xmlns:a16="http://schemas.microsoft.com/office/drawing/2014/main" id="{A01FCEFE-9968-8804-4654-63B30154A209}"/>
               </a:ext>
             </a:extLst>
           </p:cNvPr>
@@ -2801,7 +2801,7 @@
           <p:cNvPr id="3" name="文本占位符 2">
             <a:extLst>
               <a:ext uri="{FF2B5EF4-FFF2-40B4-BE49-F238E27FC236}">
-                <a16:creationId xmlns:a16="http://schemas.microsoft.com/office/drawing/2014/main" id="{FAB86D2D-DE85-BB33-1E8F-113ACC15DA9F}"/>
+                <a16:creationId xmlns:a16="http://schemas.microsoft.com/office/drawing/2014/main" id="{D6C750F2-1522-55CB-784C-CDAE63246EB0}"/>
               </a:ext>
             </a:extLst>
           </p:cNvPr>
@@ -2868,7 +2868,7 @@
           <p:cNvPr id="4" name="日期占位符 3">
             <a:extLst>
               <a:ext uri="{FF2B5EF4-FFF2-40B4-BE49-F238E27FC236}">
-                <a16:creationId xmlns:a16="http://schemas.microsoft.com/office/drawing/2014/main" id="{AF6D367D-9BD6-2E36-67C0-AC46F807C207}"/>
+                <a16:creationId xmlns:a16="http://schemas.microsoft.com/office/drawing/2014/main" id="{5A1D7614-3026-EEBE-87F0-05BE07082FD1}"/>
               </a:ext>
             </a:extLst>
           </p:cNvPr>
@@ -2902,7 +2902,7 @@
             </a:lvl1pPr>
           </a:lstStyle>
           <a:p>
-            <a:fld id="{4EA6C30D-FCE5-4C6A-9E74-413A8DDADCD5}" type="datetimeFigureOut">
+            <a:fld id="{DFE57E0C-289D-4FF9-955C-11EF46A77B4C}" type="datetimeFigureOut">
               <a:rPr lang="zh-CN" altLang="en-US" smtClean="0"/>
               <a:t>2024/3/10</a:t>
             </a:fld>
@@ -2915,7 +2915,7 @@
           <p:cNvPr id="5" name="页脚占位符 4">
             <a:extLst>
               <a:ext uri="{FF2B5EF4-FFF2-40B4-BE49-F238E27FC236}">
-                <a16:creationId xmlns:a16="http://schemas.microsoft.com/office/drawing/2014/main" id="{3EE6E7E2-DE92-8A1F-C74D-3073E6BA858C}"/>
+                <a16:creationId xmlns:a16="http://schemas.microsoft.com/office/drawing/2014/main" id="{DA043641-8674-CB52-8D73-926483E35995}"/>
               </a:ext>
             </a:extLst>
           </p:cNvPr>
@@ -2958,7 +2958,7 @@
           <p:cNvPr id="6" name="灯片编号占位符 5">
             <a:extLst>
               <a:ext uri="{FF2B5EF4-FFF2-40B4-BE49-F238E27FC236}">
-                <a16:creationId xmlns:a16="http://schemas.microsoft.com/office/drawing/2014/main" id="{063D97A3-8BAB-7A5D-7B47-3345B0FABC56}"/>
+                <a16:creationId xmlns:a16="http://schemas.microsoft.com/office/drawing/2014/main" id="{E28E45BD-6003-BB62-F679-EEB2E837031A}"/>
               </a:ext>
             </a:extLst>
           </p:cNvPr>
@@ -2992,7 +2992,7 @@
             </a:lvl1pPr>
           </a:lstStyle>
           <a:p>
-            <a:fld id="{9EA89DB5-F824-42FD-A03A-233409F7B22F}" type="slidenum">
+            <a:fld id="{E7ECF8BB-F039-4725-BC2E-4BF0B92F1830}" type="slidenum">
               <a:rPr lang="zh-CN" altLang="en-US" smtClean="0"/>
               <a:t>‹#›</a:t>
             </a:fld>
@@ -3003,7 +3003,7 @@
     </p:spTree>
     <p:extLst>
       <p:ext uri="{BB962C8B-B14F-4D97-AF65-F5344CB8AC3E}">
-        <p14:creationId xmlns:p14="http://schemas.microsoft.com/office/powerpoint/2010/main" val="2026655224"/>
+        <p14:creationId xmlns:p14="http://schemas.microsoft.com/office/powerpoint/2010/main" val="1464416159"/>
       </p:ext>
     </p:extLst>
   </p:cSld>
